--- a/Capstone/Presentations/Project progress.pptx
+++ b/Capstone/Presentations/Project progress.pptx
@@ -5532,8 +5532,37 @@
         </p:blipFill>
         <p:spPr>
           <a:xfrm>
-            <a:off x="838200" y="1548794"/>
-            <a:ext cx="7237829" cy="4377221"/>
+            <a:off x="838201" y="1548794"/>
+            <a:ext cx="5842518" cy="4377221"/>
+          </a:xfrm>
+          <a:prstGeom prst="rect">
+            <a:avLst/>
+          </a:prstGeom>
+        </p:spPr>
+      </p:pic>
+      <p:pic>
+        <p:nvPicPr>
+          <p:cNvPr id="4" name="Picture 3">
+            <a:extLst>
+              <a:ext uri="{FF2B5EF4-FFF2-40B4-BE49-F238E27FC236}">
+                <a16:creationId xmlns:a16="http://schemas.microsoft.com/office/drawing/2014/main" id="{617ADC8E-2691-4F9F-A6BC-59FB4B35E75D}"/>
+              </a:ext>
+            </a:extLst>
+          </p:cNvPr>
+          <p:cNvPicPr>
+            <a:picLocks noChangeAspect="1"/>
+          </p:cNvPicPr>
+          <p:nvPr/>
+        </p:nvPicPr>
+        <p:blipFill rotWithShape="1">
+          <a:blip r:embed="rId3"/>
+          <a:srcRect t="2630"/>
+          <a:stretch/>
+        </p:blipFill>
+        <p:spPr>
+          <a:xfrm>
+            <a:off x="6847287" y="1903445"/>
+            <a:ext cx="4991533" cy="2886475"/>
           </a:xfrm>
           <a:prstGeom prst="rect">
             <a:avLst/>

--- a/Capstone/Presentations/Project progress.pptx
+++ b/Capstone/Presentations/Project progress.pptx
@@ -268,7 +268,7 @@
           <a:p>
             <a:fld id="{AE11CD7D-15E6-4283-B19E-EBABE54E134C}" type="datetimeFigureOut">
               <a:rPr lang="nl-NL" smtClean="0"/>
-              <a:t>29-3-2022</a:t>
+              <a:t>15-4-2022</a:t>
             </a:fld>
             <a:endParaRPr lang="nl-NL"/>
           </a:p>
@@ -468,7 +468,7 @@
           <a:p>
             <a:fld id="{AE11CD7D-15E6-4283-B19E-EBABE54E134C}" type="datetimeFigureOut">
               <a:rPr lang="nl-NL" smtClean="0"/>
-              <a:t>29-3-2022</a:t>
+              <a:t>15-4-2022</a:t>
             </a:fld>
             <a:endParaRPr lang="nl-NL"/>
           </a:p>
@@ -678,7 +678,7 @@
           <a:p>
             <a:fld id="{AE11CD7D-15E6-4283-B19E-EBABE54E134C}" type="datetimeFigureOut">
               <a:rPr lang="nl-NL" smtClean="0"/>
-              <a:t>29-3-2022</a:t>
+              <a:t>15-4-2022</a:t>
             </a:fld>
             <a:endParaRPr lang="nl-NL"/>
           </a:p>
@@ -878,7 +878,7 @@
           <a:p>
             <a:fld id="{AE11CD7D-15E6-4283-B19E-EBABE54E134C}" type="datetimeFigureOut">
               <a:rPr lang="nl-NL" smtClean="0"/>
-              <a:t>29-3-2022</a:t>
+              <a:t>15-4-2022</a:t>
             </a:fld>
             <a:endParaRPr lang="nl-NL"/>
           </a:p>
@@ -1154,7 +1154,7 @@
           <a:p>
             <a:fld id="{AE11CD7D-15E6-4283-B19E-EBABE54E134C}" type="datetimeFigureOut">
               <a:rPr lang="nl-NL" smtClean="0"/>
-              <a:t>29-3-2022</a:t>
+              <a:t>15-4-2022</a:t>
             </a:fld>
             <a:endParaRPr lang="nl-NL"/>
           </a:p>
@@ -1422,7 +1422,7 @@
           <a:p>
             <a:fld id="{AE11CD7D-15E6-4283-B19E-EBABE54E134C}" type="datetimeFigureOut">
               <a:rPr lang="nl-NL" smtClean="0"/>
-              <a:t>29-3-2022</a:t>
+              <a:t>15-4-2022</a:t>
             </a:fld>
             <a:endParaRPr lang="nl-NL"/>
           </a:p>
@@ -1837,7 +1837,7 @@
           <a:p>
             <a:fld id="{AE11CD7D-15E6-4283-B19E-EBABE54E134C}" type="datetimeFigureOut">
               <a:rPr lang="nl-NL" smtClean="0"/>
-              <a:t>29-3-2022</a:t>
+              <a:t>15-4-2022</a:t>
             </a:fld>
             <a:endParaRPr lang="nl-NL"/>
           </a:p>
@@ -1979,7 +1979,7 @@
           <a:p>
             <a:fld id="{AE11CD7D-15E6-4283-B19E-EBABE54E134C}" type="datetimeFigureOut">
               <a:rPr lang="nl-NL" smtClean="0"/>
-              <a:t>29-3-2022</a:t>
+              <a:t>15-4-2022</a:t>
             </a:fld>
             <a:endParaRPr lang="nl-NL"/>
           </a:p>
@@ -2092,7 +2092,7 @@
           <a:p>
             <a:fld id="{AE11CD7D-15E6-4283-B19E-EBABE54E134C}" type="datetimeFigureOut">
               <a:rPr lang="nl-NL" smtClean="0"/>
-              <a:t>29-3-2022</a:t>
+              <a:t>15-4-2022</a:t>
             </a:fld>
             <a:endParaRPr lang="nl-NL"/>
           </a:p>
@@ -2405,7 +2405,7 @@
           <a:p>
             <a:fld id="{AE11CD7D-15E6-4283-B19E-EBABE54E134C}" type="datetimeFigureOut">
               <a:rPr lang="nl-NL" smtClean="0"/>
-              <a:t>29-3-2022</a:t>
+              <a:t>15-4-2022</a:t>
             </a:fld>
             <a:endParaRPr lang="nl-NL"/>
           </a:p>
@@ -2694,7 +2694,7 @@
           <a:p>
             <a:fld id="{AE11CD7D-15E6-4283-B19E-EBABE54E134C}" type="datetimeFigureOut">
               <a:rPr lang="nl-NL" smtClean="0"/>
-              <a:t>29-3-2022</a:t>
+              <a:t>15-4-2022</a:t>
             </a:fld>
             <a:endParaRPr lang="nl-NL"/>
           </a:p>
@@ -2937,7 +2937,7 @@
           <a:p>
             <a:fld id="{AE11CD7D-15E6-4283-B19E-EBABE54E134C}" type="datetimeFigureOut">
               <a:rPr lang="nl-NL" smtClean="0"/>
-              <a:t>29-3-2022</a:t>
+              <a:t>15-4-2022</a:t>
             </a:fld>
             <a:endParaRPr lang="nl-NL"/>
           </a:p>
@@ -3470,6 +3470,162 @@
           <a:chExt cx="0" cy="0"/>
         </a:xfrm>
       </p:grpSpPr>
+      <p:sp>
+        <p:nvSpPr>
+          <p:cNvPr id="3" name="Rectangle 2">
+            <a:extLst>
+              <a:ext uri="{FF2B5EF4-FFF2-40B4-BE49-F238E27FC236}">
+                <a16:creationId xmlns:a16="http://schemas.microsoft.com/office/drawing/2014/main" id="{A625FA92-0F94-44B3-A878-EADE2034C5BB}"/>
+              </a:ext>
+            </a:extLst>
+          </p:cNvPr>
+          <p:cNvSpPr/>
+          <p:nvPr/>
+        </p:nvSpPr>
+        <p:spPr>
+          <a:xfrm>
+            <a:off x="114300" y="1518503"/>
+            <a:ext cx="11954549" cy="1345952"/>
+          </a:xfrm>
+          <a:prstGeom prst="rect">
+            <a:avLst/>
+          </a:prstGeom>
+          <a:noFill/>
+          <a:ln w="76200">
+            <a:solidFill>
+              <a:schemeClr val="accent2"/>
+            </a:solidFill>
+          </a:ln>
+        </p:spPr>
+        <p:style>
+          <a:lnRef idx="2">
+            <a:schemeClr val="accent1">
+              <a:shade val="50000"/>
+            </a:schemeClr>
+          </a:lnRef>
+          <a:fillRef idx="1">
+            <a:schemeClr val="accent1"/>
+          </a:fillRef>
+          <a:effectRef idx="0">
+            <a:schemeClr val="accent1"/>
+          </a:effectRef>
+          <a:fontRef idx="minor">
+            <a:schemeClr val="lt1"/>
+          </a:fontRef>
+        </p:style>
+        <p:txBody>
+          <a:bodyPr rtlCol="0" anchor="ctr"/>
+          <a:lstStyle/>
+          <a:p>
+            <a:pPr algn="ctr"/>
+            <a:endParaRPr lang="nl-NL"/>
+          </a:p>
+        </p:txBody>
+      </p:sp>
+      <p:sp>
+        <p:nvSpPr>
+          <p:cNvPr id="26" name="Rectangle 25">
+            <a:extLst>
+              <a:ext uri="{FF2B5EF4-FFF2-40B4-BE49-F238E27FC236}">
+                <a16:creationId xmlns:a16="http://schemas.microsoft.com/office/drawing/2014/main" id="{F3145C32-7A0B-4D6E-8C76-EAF128311523}"/>
+              </a:ext>
+            </a:extLst>
+          </p:cNvPr>
+          <p:cNvSpPr/>
+          <p:nvPr/>
+        </p:nvSpPr>
+        <p:spPr>
+          <a:xfrm>
+            <a:off x="114301" y="3031701"/>
+            <a:ext cx="11954545" cy="1545047"/>
+          </a:xfrm>
+          <a:prstGeom prst="rect">
+            <a:avLst/>
+          </a:prstGeom>
+          <a:noFill/>
+          <a:ln w="76200">
+            <a:solidFill>
+              <a:schemeClr val="accent2"/>
+            </a:solidFill>
+          </a:ln>
+        </p:spPr>
+        <p:style>
+          <a:lnRef idx="2">
+            <a:schemeClr val="accent1">
+              <a:shade val="50000"/>
+            </a:schemeClr>
+          </a:lnRef>
+          <a:fillRef idx="1">
+            <a:schemeClr val="accent1"/>
+          </a:fillRef>
+          <a:effectRef idx="0">
+            <a:schemeClr val="accent1"/>
+          </a:effectRef>
+          <a:fontRef idx="minor">
+            <a:schemeClr val="lt1"/>
+          </a:fontRef>
+        </p:style>
+        <p:txBody>
+          <a:bodyPr rtlCol="0" anchor="ctr"/>
+          <a:lstStyle/>
+          <a:p>
+            <a:pPr algn="ctr"/>
+            <a:endParaRPr lang="nl-NL"/>
+          </a:p>
+        </p:txBody>
+      </p:sp>
+      <p:sp>
+        <p:nvSpPr>
+          <p:cNvPr id="28" name="Rectangle 27">
+            <a:extLst>
+              <a:ext uri="{FF2B5EF4-FFF2-40B4-BE49-F238E27FC236}">
+                <a16:creationId xmlns:a16="http://schemas.microsoft.com/office/drawing/2014/main" id="{AD35AA25-BD22-40B4-AADB-3F83308701EB}"/>
+              </a:ext>
+            </a:extLst>
+          </p:cNvPr>
+          <p:cNvSpPr/>
+          <p:nvPr/>
+        </p:nvSpPr>
+        <p:spPr>
+          <a:xfrm>
+            <a:off x="114297" y="4990734"/>
+            <a:ext cx="11954550" cy="1647458"/>
+          </a:xfrm>
+          <a:prstGeom prst="rect">
+            <a:avLst/>
+          </a:prstGeom>
+          <a:noFill/>
+          <a:ln w="76200">
+            <a:solidFill>
+              <a:schemeClr val="accent2"/>
+            </a:solidFill>
+          </a:ln>
+        </p:spPr>
+        <p:style>
+          <a:lnRef idx="2">
+            <a:schemeClr val="accent1">
+              <a:shade val="50000"/>
+            </a:schemeClr>
+          </a:lnRef>
+          <a:fillRef idx="1">
+            <a:schemeClr val="accent1"/>
+          </a:fillRef>
+          <a:effectRef idx="0">
+            <a:schemeClr val="accent1"/>
+          </a:effectRef>
+          <a:fontRef idx="minor">
+            <a:schemeClr val="lt1"/>
+          </a:fontRef>
+        </p:style>
+        <p:txBody>
+          <a:bodyPr rtlCol="0" anchor="ctr"/>
+          <a:lstStyle/>
+          <a:p>
+            <a:pPr algn="ctr"/>
+            <a:endParaRPr lang="nl-NL"/>
+          </a:p>
+        </p:txBody>
+      </p:sp>
       <p:cxnSp>
         <p:nvCxnSpPr>
           <p:cNvPr id="23" name="Straight Connector 22">
